--- a/lectures/NeuralNets.pptx
+++ b/lectures/NeuralNets.pptx
@@ -431,6 +431,11 @@
         </p:txBody>
       </p:sp>
     </p:spTree>
+    <p:extLst>
+      <p:ext uri="{BB962C8B-B14F-4D97-AF65-F5344CB8AC3E}">
+        <p14:creationId xmlns:p14="http://schemas.microsoft.com/office/powerpoint/2010/main" val="1"/>
+      </p:ext>
+    </p:extLst>
   </p:cSld>
   <p:clrMap bg1="lt1" tx1="dk1" bg2="lt2" tx2="dk2" accent1="accent1" accent2="accent2" accent3="accent3" accent4="accent4" accent5="accent5" accent6="accent6" hlink="hlink" folHlink="folHlink"/>
 </p:handoutMaster>
@@ -581,7 +586,7 @@
             </a:extLst>
           </p:cNvPr>
           <p:cNvSpPr>
-            <a:spLocks noRot="1" noChangeArrowheads="1" noTextEdit="1"/>
+            <a:spLocks noGrp="1" noRot="1" noChangeAspect="1" noChangeArrowheads="1" noTextEdit="1"/>
           </p:cNvSpPr>
           <p:nvPr>
             <p:ph type="sldImg" idx="2"/>
@@ -1138,7 +1143,7 @@
             </a:extLst>
           </p:cNvPr>
           <p:cNvSpPr>
-            <a:spLocks noRot="1" noChangeArrowheads="1" noTextEdit="1"/>
+            <a:spLocks noGrp="1" noRot="1" noChangeAspect="1" noChangeArrowheads="1" noTextEdit="1"/>
           </p:cNvSpPr>
           <p:nvPr>
             <p:ph type="sldImg"/>
@@ -1424,7 +1429,7 @@
             </a:extLst>
           </p:cNvPr>
           <p:cNvSpPr>
-            <a:spLocks noChangeArrowheads="1" noTextEdit="1"/>
+            <a:spLocks noGrp="1" noRot="1" noChangeAspect="1" noChangeArrowheads="1" noTextEdit="1"/>
           </p:cNvSpPr>
           <p:nvPr>
             <p:ph type="sldImg"/>
@@ -1451,7 +1456,7 @@
             </a:extLst>
           </p:cNvPr>
           <p:cNvSpPr>
-            <a:spLocks noChangeArrowheads="1"/>
+            <a:spLocks noGrp="1" noChangeArrowheads="1"/>
           </p:cNvSpPr>
           <p:nvPr>
             <p:ph type="body" idx="1"/>
@@ -7712,7 +7717,7 @@
           <a:graphicData uri="http://schemas.openxmlformats.org/presentationml/2006/ole">
             <mc:AlternateContent xmlns:mc="http://schemas.openxmlformats.org/markup-compatibility/2006">
               <mc:Choice xmlns:v="urn:schemas-microsoft-com:vml" Requires="v">
-                <p:oleObj spid="_x0000_s23567" name="Visio" r:id="rId3" imgW="6769100" imgH="4292600" progId="Visio.Drawing.6">
+                <p:oleObj spid="_x0000_s23573" name="Visio" r:id="rId3" imgW="6769100" imgH="4292600" progId="Visio.Drawing.6">
                   <p:embed/>
                 </p:oleObj>
               </mc:Choice>
@@ -7814,7 +7819,7 @@
           <a:graphicData uri="http://schemas.openxmlformats.org/presentationml/2006/ole">
             <mc:AlternateContent xmlns:mc="http://schemas.openxmlformats.org/markup-compatibility/2006">
               <mc:Choice xmlns:v="urn:schemas-microsoft-com:vml" Requires="v">
-                <p:oleObj spid="_x0000_s23568" name="Equation" r:id="rId5" imgW="26327100" imgH="7899400" progId="Equation.3">
+                <p:oleObj spid="_x0000_s23574" name="Equation" r:id="rId5" imgW="26327100" imgH="7899400" progId="Equation.3">
                   <p:embed/>
                 </p:oleObj>
               </mc:Choice>
@@ -8142,7 +8147,7 @@
           <a:graphicData uri="http://schemas.openxmlformats.org/presentationml/2006/ole">
             <mc:AlternateContent xmlns:mc="http://schemas.openxmlformats.org/markup-compatibility/2006">
               <mc:Choice xmlns:v="urn:schemas-microsoft-com:vml" Requires="v">
-                <p:oleObj spid="_x0000_s23569" name="Equation" r:id="rId7" imgW="30721300" imgH="7899400" progId="Equation.3">
+                <p:oleObj spid="_x0000_s23575" name="Equation" r:id="rId7" imgW="30721300" imgH="7899400" progId="Equation.3">
                   <p:embed/>
                 </p:oleObj>
               </mc:Choice>
@@ -8588,7 +8593,7 @@
           <a:graphicData uri="http://schemas.openxmlformats.org/presentationml/2006/ole">
             <mc:AlternateContent xmlns:mc="http://schemas.openxmlformats.org/markup-compatibility/2006">
               <mc:Choice xmlns:v="urn:schemas-microsoft-com:vml" Requires="v">
-                <p:oleObj spid="_x0000_s24583" name="Document" r:id="rId3" imgW="6223000" imgH="2679700" progId="Word.Document.8">
+                <p:oleObj spid="_x0000_s24585" name="Document" r:id="rId3" imgW="6223000" imgH="2679700" progId="Word.Document.8">
                   <p:embed/>
                 </p:oleObj>
               </mc:Choice>
@@ -8805,7 +8810,7 @@
           <a:graphicData uri="http://schemas.openxmlformats.org/presentationml/2006/ole">
             <mc:AlternateContent xmlns:mc="http://schemas.openxmlformats.org/markup-compatibility/2006">
               <mc:Choice xmlns:v="urn:schemas-microsoft-com:vml" Requires="v">
-                <p:oleObj spid="_x0000_s25607" name="Document" r:id="rId3" imgW="6223000" imgH="1447800" progId="Word.Document.8">
+                <p:oleObj spid="_x0000_s25609" name="Document" r:id="rId3" imgW="6223000" imgH="1447800" progId="Word.Document.8">
                   <p:embed/>
                 </p:oleObj>
               </mc:Choice>
@@ -8931,7 +8936,7 @@
           <a:graphicData uri="http://schemas.openxmlformats.org/presentationml/2006/ole">
             <mc:AlternateContent xmlns:mc="http://schemas.openxmlformats.org/markup-compatibility/2006">
               <mc:Choice xmlns:v="urn:schemas-microsoft-com:vml" Requires="v">
-                <p:oleObj spid="_x0000_s26635" name="Visio" r:id="rId3" imgW="7975600" imgH="4445000" progId="Visio.Drawing.6">
+                <p:oleObj spid="_x0000_s26639" name="Visio" r:id="rId3" imgW="7975600" imgH="4445000" progId="Visio.Drawing.6">
                   <p:embed/>
                 </p:oleObj>
               </mc:Choice>
@@ -9033,7 +9038,7 @@
           <a:graphicData uri="http://schemas.openxmlformats.org/presentationml/2006/ole">
             <mc:AlternateContent xmlns:mc="http://schemas.openxmlformats.org/markup-compatibility/2006">
               <mc:Choice xmlns:v="urn:schemas-microsoft-com:vml" Requires="v">
-                <p:oleObj spid="_x0000_s26636" name="Visio" r:id="rId5" imgW="5422900" imgH="6565900" progId="Visio.Drawing.6">
+                <p:oleObj spid="_x0000_s26640" name="Visio" r:id="rId5" imgW="5422900" imgH="6565900" progId="Visio.Drawing.6">
                   <p:embed/>
                 </p:oleObj>
               </mc:Choice>
@@ -24335,7 +24340,7 @@
           <a:p>
             <a:r>
               <a:rPr lang="en-NZ" altLang="en-US" dirty="0"/>
-              <a:t>Gradient descent is a commonly used for minimizing a function</a:t>
+              <a:t>Gradient descent is commonly used for a minimizing a function</a:t>
             </a:r>
           </a:p>
           <a:p>
@@ -24502,7 +24507,7 @@
               <a:defRPr/>
             </a:pPr>
             <a:r>
-              <a:rPr lang="en-NZ">
+              <a:rPr lang="en-NZ" dirty="0">
                 <a:noFill/>
               </a:rPr>
               <a:t> </a:t>
@@ -27093,7 +27098,7 @@
           <a:graphicData uri="http://schemas.openxmlformats.org/presentationml/2006/ole">
             <mc:AlternateContent xmlns:mc="http://schemas.openxmlformats.org/markup-compatibility/2006">
               <mc:Choice xmlns:v="urn:schemas-microsoft-com:vml" Requires="v">
-                <p:oleObj spid="_x0000_s21511" name="Visio" r:id="rId3" imgW="8940800" imgH="3886200" progId="Visio.Drawing.6">
+                <p:oleObj spid="_x0000_s21513" name="Visio" r:id="rId3" imgW="8940800" imgH="3886200" progId="Visio.Drawing.6">
                   <p:embed/>
                 </p:oleObj>
               </mc:Choice>
@@ -27485,7 +27490,7 @@
           <a:graphicData uri="http://schemas.openxmlformats.org/presentationml/2006/ole">
             <mc:AlternateContent xmlns:mc="http://schemas.openxmlformats.org/markup-compatibility/2006">
               <mc:Choice xmlns:v="urn:schemas-microsoft-com:vml" Requires="v">
-                <p:oleObj spid="_x0000_s22537" name="Visio" r:id="rId3" imgW="8940800" imgH="3886200" progId="Visio.Drawing.6">
+                <p:oleObj spid="_x0000_s22541" name="Visio" r:id="rId3" imgW="8940800" imgH="3886200" progId="Visio.Drawing.6">
                   <p:embed/>
                 </p:oleObj>
               </mc:Choice>
@@ -27621,7 +27626,7 @@
           <a:graphicData uri="http://schemas.openxmlformats.org/presentationml/2006/ole">
             <mc:AlternateContent xmlns:mc="http://schemas.openxmlformats.org/markup-compatibility/2006">
               <mc:Choice xmlns:v="urn:schemas-microsoft-com:vml" Requires="v">
-                <p:oleObj spid="_x0000_s22538" name="Equation" r:id="rId5" imgW="55295800" imgH="16383000" progId="Equation.3">
+                <p:oleObj spid="_x0000_s22542" name="Equation" r:id="rId5" imgW="55295800" imgH="16383000" progId="Equation.3">
                   <p:embed/>
                 </p:oleObj>
               </mc:Choice>
